--- a/Week03/day-04/ECMAScript.pptx
+++ b/Week03/day-04/ECMAScript.pptx
@@ -8,7 +8,13 @@
     <p:sldId id="256" r:id="rId2"/>
     <p:sldId id="257" r:id="rId3"/>
     <p:sldId id="258" r:id="rId4"/>
-    <p:sldId id="259" r:id="rId5"/>
+    <p:sldId id="260" r:id="rId5"/>
+    <p:sldId id="259" r:id="rId6"/>
+    <p:sldId id="261" r:id="rId7"/>
+    <p:sldId id="262" r:id="rId8"/>
+    <p:sldId id="263" r:id="rId9"/>
+    <p:sldId id="264" r:id="rId10"/>
+    <p:sldId id="265" r:id="rId11"/>
   </p:sldIdLst>
   <p:sldSz cx="9144000" cy="6858000" type="screen4x3"/>
   <p:notesSz cx="6858000" cy="9144000"/>
@@ -735,6 +741,7 @@
           <a:p>
             <a:fld id="{96E5664A-9AFF-4899-BAEA-BA1E7D60C04C}" type="datetimeFigureOut">
               <a:rPr lang="hu-HU" smtClean="0"/>
+              <a:pPr/>
               <a:t>2018. 02. 28.</a:t>
             </a:fld>
             <a:endParaRPr lang="hu-HU"/>
@@ -797,6 +804,7 @@
           <a:p>
             <a:fld id="{98207F41-AE1E-473D-A31C-607641560892}" type="slidenum">
               <a:rPr lang="hu-HU" smtClean="0"/>
+              <a:pPr/>
               <a:t>‹#›</a:t>
             </a:fld>
             <a:endParaRPr lang="hu-HU"/>
@@ -931,6 +939,7 @@
           <a:p>
             <a:fld id="{96E5664A-9AFF-4899-BAEA-BA1E7D60C04C}" type="datetimeFigureOut">
               <a:rPr lang="hu-HU" smtClean="0"/>
+              <a:pPr/>
               <a:t>2018. 02. 28.</a:t>
             </a:fld>
             <a:endParaRPr lang="hu-HU"/>
@@ -977,6 +986,7 @@
           <a:p>
             <a:fld id="{98207F41-AE1E-473D-A31C-607641560892}" type="slidenum">
               <a:rPr lang="hu-HU" smtClean="0"/>
+              <a:pPr/>
               <a:t>‹#›</a:t>
             </a:fld>
             <a:endParaRPr lang="hu-HU"/>
@@ -1116,6 +1126,7 @@
           <a:p>
             <a:fld id="{96E5664A-9AFF-4899-BAEA-BA1E7D60C04C}" type="datetimeFigureOut">
               <a:rPr lang="hu-HU" smtClean="0"/>
+              <a:pPr/>
               <a:t>2018. 02. 28.</a:t>
             </a:fld>
             <a:endParaRPr lang="hu-HU"/>
@@ -1162,6 +1173,7 @@
           <a:p>
             <a:fld id="{98207F41-AE1E-473D-A31C-607641560892}" type="slidenum">
               <a:rPr lang="hu-HU" smtClean="0"/>
+              <a:pPr/>
               <a:t>‹#›</a:t>
             </a:fld>
             <a:endParaRPr lang="hu-HU"/>
@@ -1266,6 +1278,7 @@
           <a:p>
             <a:fld id="{96E5664A-9AFF-4899-BAEA-BA1E7D60C04C}" type="datetimeFigureOut">
               <a:rPr lang="hu-HU" smtClean="0"/>
+              <a:pPr/>
               <a:t>2018. 02. 28.</a:t>
             </a:fld>
             <a:endParaRPr lang="hu-HU"/>
@@ -1312,6 +1325,7 @@
           <a:p>
             <a:fld id="{98207F41-AE1E-473D-A31C-607641560892}" type="slidenum">
               <a:rPr lang="hu-HU" smtClean="0"/>
+              <a:pPr/>
               <a:t>‹#›</a:t>
             </a:fld>
             <a:endParaRPr lang="hu-HU"/>
@@ -1521,6 +1535,7 @@
           <a:p>
             <a:fld id="{96E5664A-9AFF-4899-BAEA-BA1E7D60C04C}" type="datetimeFigureOut">
               <a:rPr lang="hu-HU" smtClean="0"/>
+              <a:pPr/>
               <a:t>2018. 02. 28.</a:t>
             </a:fld>
             <a:endParaRPr lang="hu-HU"/>
@@ -1567,6 +1582,7 @@
           <a:p>
             <a:fld id="{98207F41-AE1E-473D-A31C-607641560892}" type="slidenum">
               <a:rPr lang="hu-HU" smtClean="0"/>
+              <a:pPr/>
               <a:t>‹#›</a:t>
             </a:fld>
             <a:endParaRPr lang="hu-HU"/>
@@ -1930,6 +1946,7 @@
           <a:p>
             <a:fld id="{96E5664A-9AFF-4899-BAEA-BA1E7D60C04C}" type="datetimeFigureOut">
               <a:rPr lang="hu-HU" smtClean="0"/>
+              <a:pPr/>
               <a:t>2018. 02. 28.</a:t>
             </a:fld>
             <a:endParaRPr lang="hu-HU"/>
@@ -1976,6 +1993,7 @@
           <a:p>
             <a:fld id="{98207F41-AE1E-473D-A31C-607641560892}" type="slidenum">
               <a:rPr lang="hu-HU" smtClean="0"/>
+              <a:pPr/>
               <a:t>‹#›</a:t>
             </a:fld>
             <a:endParaRPr lang="hu-HU"/>
@@ -2376,6 +2394,7 @@
           <a:p>
             <a:fld id="{96E5664A-9AFF-4899-BAEA-BA1E7D60C04C}" type="datetimeFigureOut">
               <a:rPr lang="hu-HU" smtClean="0"/>
+              <a:pPr/>
               <a:t>2018. 02. 28.</a:t>
             </a:fld>
             <a:endParaRPr lang="hu-HU"/>
@@ -2422,6 +2441,7 @@
           <a:p>
             <a:fld id="{98207F41-AE1E-473D-A31C-607641560892}" type="slidenum">
               <a:rPr lang="hu-HU" smtClean="0"/>
+              <a:pPr/>
               <a:t>‹#›</a:t>
             </a:fld>
             <a:endParaRPr lang="hu-HU"/>
@@ -2477,6 +2497,7 @@
           <a:p>
             <a:fld id="{96E5664A-9AFF-4899-BAEA-BA1E7D60C04C}" type="datetimeFigureOut">
               <a:rPr lang="hu-HU" smtClean="0"/>
+              <a:pPr/>
               <a:t>2018. 02. 28.</a:t>
             </a:fld>
             <a:endParaRPr lang="hu-HU"/>
@@ -2523,6 +2544,7 @@
           <a:p>
             <a:fld id="{98207F41-AE1E-473D-A31C-607641560892}" type="slidenum">
               <a:rPr lang="hu-HU" smtClean="0"/>
+              <a:pPr/>
               <a:t>‹#›</a:t>
             </a:fld>
             <a:endParaRPr lang="hu-HU"/>
@@ -2598,6 +2620,7 @@
           <a:p>
             <a:fld id="{96E5664A-9AFF-4899-BAEA-BA1E7D60C04C}" type="datetimeFigureOut">
               <a:rPr lang="hu-HU" smtClean="0"/>
+              <a:pPr/>
               <a:t>2018. 02. 28.</a:t>
             </a:fld>
             <a:endParaRPr lang="hu-HU"/>
@@ -2644,6 +2667,7 @@
           <a:p>
             <a:fld id="{98207F41-AE1E-473D-A31C-607641560892}" type="slidenum">
               <a:rPr lang="hu-HU" smtClean="0"/>
+              <a:pPr/>
               <a:t>‹#›</a:t>
             </a:fld>
             <a:endParaRPr lang="hu-HU"/>
@@ -2872,6 +2896,7 @@
           <a:p>
             <a:fld id="{96E5664A-9AFF-4899-BAEA-BA1E7D60C04C}" type="datetimeFigureOut">
               <a:rPr lang="hu-HU" smtClean="0"/>
+              <a:pPr/>
               <a:t>2018. 02. 28.</a:t>
             </a:fld>
             <a:endParaRPr lang="hu-HU"/>
@@ -2918,6 +2943,7 @@
           <a:p>
             <a:fld id="{98207F41-AE1E-473D-A31C-607641560892}" type="slidenum">
               <a:rPr lang="hu-HU" smtClean="0"/>
+              <a:pPr/>
               <a:t>‹#›</a:t>
             </a:fld>
             <a:endParaRPr lang="hu-HU"/>
@@ -3077,6 +3103,7 @@
           <a:p>
             <a:fld id="{96E5664A-9AFF-4899-BAEA-BA1E7D60C04C}" type="datetimeFigureOut">
               <a:rPr lang="hu-HU" smtClean="0"/>
+              <a:pPr/>
               <a:t>2018. 02. 28.</a:t>
             </a:fld>
             <a:endParaRPr lang="hu-HU"/>
@@ -3142,6 +3169,7 @@
           <a:p>
             <a:fld id="{98207F41-AE1E-473D-A31C-607641560892}" type="slidenum">
               <a:rPr lang="hu-HU" smtClean="0"/>
+              <a:pPr/>
               <a:t>‹#›</a:t>
             </a:fld>
             <a:endParaRPr lang="hu-HU"/>
@@ -4186,6 +4214,7 @@
           <a:p>
             <a:fld id="{96E5664A-9AFF-4899-BAEA-BA1E7D60C04C}" type="datetimeFigureOut">
               <a:rPr lang="hu-HU" smtClean="0"/>
+              <a:pPr/>
               <a:t>2018. 02. 28.</a:t>
             </a:fld>
             <a:endParaRPr lang="hu-HU"/>
@@ -4262,6 +4291,7 @@
           <a:p>
             <a:fld id="{98207F41-AE1E-473D-A31C-607641560892}" type="slidenum">
               <a:rPr lang="hu-HU" smtClean="0"/>
+              <a:pPr/>
               <a:t>‹#›</a:t>
             </a:fld>
             <a:endParaRPr lang="hu-HU"/>
@@ -4646,6 +4676,79 @@
 </p:sld>
 </file>
 
+<file path=ppt/slides/slide10.xml><?xml version="1.0" encoding="utf-8"?>
+<p:sld xmlns:a="http://schemas.openxmlformats.org/drawingml/2006/main" xmlns:r="http://schemas.openxmlformats.org/officeDocument/2006/relationships" xmlns:p="http://schemas.openxmlformats.org/presentationml/2006/main">
+  <p:cSld>
+    <p:spTree>
+      <p:nvGrpSpPr>
+        <p:cNvPr id="1" name=""/>
+        <p:cNvGrpSpPr/>
+        <p:nvPr/>
+      </p:nvGrpSpPr>
+      <p:grpSpPr>
+        <a:xfrm>
+          <a:off x="0" y="0"/>
+          <a:ext cx="0" cy="0"/>
+          <a:chOff x="0" y="0"/>
+          <a:chExt cx="0" cy="0"/>
+        </a:xfrm>
+      </p:grpSpPr>
+      <p:sp>
+        <p:nvSpPr>
+          <p:cNvPr id="2" name="Content Placeholder 1"/>
+          <p:cNvSpPr>
+            <a:spLocks noGrp="1"/>
+          </p:cNvSpPr>
+          <p:nvPr>
+            <p:ph idx="1"/>
+          </p:nvPr>
+        </p:nvSpPr>
+        <p:spPr/>
+        <p:txBody>
+          <a:bodyPr/>
+          <a:lstStyle/>
+          <a:p>
+            <a:endParaRPr lang="hu-HU" dirty="0"/>
+          </a:p>
+        </p:txBody>
+      </p:sp>
+      <p:sp>
+        <p:nvSpPr>
+          <p:cNvPr id="3" name="Title 2"/>
+          <p:cNvSpPr>
+            <a:spLocks noGrp="1"/>
+          </p:cNvSpPr>
+          <p:nvPr>
+            <p:ph type="title"/>
+          </p:nvPr>
+        </p:nvSpPr>
+        <p:spPr>
+          <a:xfrm>
+            <a:off x="500034" y="2500306"/>
+            <a:ext cx="8229600" cy="1143000"/>
+          </a:xfrm>
+        </p:spPr>
+        <p:txBody>
+          <a:bodyPr/>
+          <a:lstStyle/>
+          <a:p>
+            <a:pPr algn="ctr"/>
+            <a:r>
+              <a:rPr lang="hu-HU" dirty="0" smtClean="0"/>
+              <a:t>Thank You, Guys!</a:t>
+            </a:r>
+            <a:endParaRPr lang="hu-HU" dirty="0"/>
+          </a:p>
+        </p:txBody>
+      </p:sp>
+    </p:spTree>
+  </p:cSld>
+  <p:clrMapOvr>
+    <a:masterClrMapping/>
+  </p:clrMapOvr>
+</p:sld>
+</file>
+
 <file path=ppt/slides/slide2.xml><?xml version="1.0" encoding="utf-8"?>
 <p:sld xmlns:a="http://schemas.openxmlformats.org/drawingml/2006/main" xmlns:r="http://schemas.openxmlformats.org/officeDocument/2006/relationships" xmlns:p="http://schemas.openxmlformats.org/presentationml/2006/main">
   <p:cSld>
@@ -4685,7 +4788,6 @@
               <a:rPr lang="hu-HU" dirty="0" smtClean="0"/>
               <a:t>/European Computer Manifacturers Association/</a:t>
             </a:r>
-            <a:endParaRPr lang="hu-HU" dirty="0" smtClean="0"/>
           </a:p>
           <a:p>
             <a:endParaRPr lang="hu-HU" dirty="0" smtClean="0"/>
@@ -4784,11 +4886,7 @@
           <a:p>
             <a:r>
               <a:rPr lang="en-US" dirty="0" smtClean="0"/>
-              <a:t>This </a:t>
-            </a:r>
-            <a:r>
-              <a:rPr lang="en-US" dirty="0" smtClean="0"/>
-              <a:t>is a standard published by </a:t>
+              <a:t>This is a standard published by </a:t>
             </a:r>
             <a:r>
               <a:rPr lang="en-US" dirty="0" err="1" smtClean="0"/>
@@ -4862,21 +4960,85 @@
         </p:nvSpPr>
         <p:spPr/>
         <p:txBody>
+          <a:bodyPr>
+            <a:normAutofit/>
+          </a:bodyPr>
+          <a:lstStyle/>
+          <a:p>
+            <a:endParaRPr lang="hu-HU" dirty="0" smtClean="0"/>
+          </a:p>
+          <a:p>
+            <a:endParaRPr lang="hu-HU" dirty="0" smtClean="0"/>
+          </a:p>
+          <a:p>
+            <a:r>
+              <a:rPr lang="en-US" dirty="0" smtClean="0"/>
+              <a:t>A </a:t>
+            </a:r>
+            <a:r>
+              <a:rPr lang="en-US" dirty="0" smtClean="0"/>
+              <a:t>programming language designed specifically for acting on an existing entity or system</a:t>
+            </a:r>
+            <a:endParaRPr lang="hu-HU" dirty="0" smtClean="0"/>
+          </a:p>
+        </p:txBody>
+      </p:sp>
+      <p:sp>
+        <p:nvSpPr>
+          <p:cNvPr id="3" name="Title 2"/>
+          <p:cNvSpPr>
+            <a:spLocks noGrp="1"/>
+          </p:cNvSpPr>
+          <p:nvPr>
+            <p:ph type="title"/>
+          </p:nvPr>
+        </p:nvSpPr>
+        <p:spPr/>
+        <p:txBody>
           <a:bodyPr/>
           <a:lstStyle/>
           <a:p>
-            <a:endParaRPr lang="hu-HU"/>
-          </a:p>
-        </p:txBody>
-      </p:sp>
-      <p:sp>
-        <p:nvSpPr>
-          <p:cNvPr id="3" name="Title 2"/>
-          <p:cNvSpPr>
-            <a:spLocks noGrp="1"/>
-          </p:cNvSpPr>
-          <p:nvPr>
-            <p:ph type="title"/>
+            <a:r>
+              <a:rPr lang="hu-HU" dirty="0" smtClean="0"/>
+              <a:t>A Scripting language</a:t>
+            </a:r>
+            <a:endParaRPr lang="hu-HU" dirty="0"/>
+          </a:p>
+        </p:txBody>
+      </p:sp>
+    </p:spTree>
+  </p:cSld>
+  <p:clrMapOvr>
+    <a:masterClrMapping/>
+  </p:clrMapOvr>
+</p:sld>
+</file>
+
+<file path=ppt/slides/slide5.xml><?xml version="1.0" encoding="utf-8"?>
+<p:sld xmlns:a="http://schemas.openxmlformats.org/drawingml/2006/main" xmlns:r="http://schemas.openxmlformats.org/officeDocument/2006/relationships" xmlns:p="http://schemas.openxmlformats.org/presentationml/2006/main">
+  <p:cSld>
+    <p:spTree>
+      <p:nvGrpSpPr>
+        <p:cNvPr id="1" name=""/>
+        <p:cNvGrpSpPr/>
+        <p:nvPr/>
+      </p:nvGrpSpPr>
+      <p:grpSpPr>
+        <a:xfrm>
+          <a:off x="0" y="0"/>
+          <a:ext cx="0" cy="0"/>
+          <a:chOff x="0" y="0"/>
+          <a:chExt cx="0" cy="0"/>
+        </a:xfrm>
+      </p:grpSpPr>
+      <p:sp>
+        <p:nvSpPr>
+          <p:cNvPr id="2" name="Content Placeholder 1"/>
+          <p:cNvSpPr>
+            <a:spLocks noGrp="1"/>
+          </p:cNvSpPr>
+          <p:nvPr>
+            <p:ph idx="1"/>
           </p:nvPr>
         </p:nvSpPr>
         <p:spPr/>
@@ -4884,6 +5046,35 @@
           <a:bodyPr/>
           <a:lstStyle/>
           <a:p>
+            <a:endParaRPr lang="hu-HU" b="1" dirty="0" smtClean="0"/>
+          </a:p>
+          <a:p>
+            <a:endParaRPr lang="hu-HU" b="1" dirty="0" smtClean="0"/>
+          </a:p>
+          <a:p>
+            <a:r>
+              <a:rPr lang="en-US" dirty="0" smtClean="0"/>
+              <a:t>The specification defined in ECMA-262 for creating a general purpose scripting language.</a:t>
+            </a:r>
+            <a:endParaRPr lang="hu-HU" dirty="0"/>
+          </a:p>
+        </p:txBody>
+      </p:sp>
+      <p:sp>
+        <p:nvSpPr>
+          <p:cNvPr id="3" name="Title 2"/>
+          <p:cNvSpPr>
+            <a:spLocks noGrp="1"/>
+          </p:cNvSpPr>
+          <p:nvPr>
+            <p:ph type="title"/>
+          </p:nvPr>
+        </p:nvSpPr>
+        <p:spPr/>
+        <p:txBody>
+          <a:bodyPr/>
+          <a:lstStyle/>
+          <a:p>
             <a:r>
               <a:rPr lang="hu-HU" dirty="0" smtClean="0"/>
               <a:t>ECMAScript</a:t>
@@ -4892,6 +5083,414 @@
           </a:p>
         </p:txBody>
       </p:sp>
+    </p:spTree>
+  </p:cSld>
+  <p:clrMapOvr>
+    <a:masterClrMapping/>
+  </p:clrMapOvr>
+</p:sld>
+</file>
+
+<file path=ppt/slides/slide6.xml><?xml version="1.0" encoding="utf-8"?>
+<p:sld xmlns:a="http://schemas.openxmlformats.org/drawingml/2006/main" xmlns:r="http://schemas.openxmlformats.org/officeDocument/2006/relationships" xmlns:p="http://schemas.openxmlformats.org/presentationml/2006/main">
+  <p:cSld>
+    <p:spTree>
+      <p:nvGrpSpPr>
+        <p:cNvPr id="1" name=""/>
+        <p:cNvGrpSpPr/>
+        <p:nvPr/>
+      </p:nvGrpSpPr>
+      <p:grpSpPr>
+        <a:xfrm>
+          <a:off x="0" y="0"/>
+          <a:ext cx="0" cy="0"/>
+          <a:chOff x="0" y="0"/>
+          <a:chExt cx="0" cy="0"/>
+        </a:xfrm>
+      </p:grpSpPr>
+      <p:sp>
+        <p:nvSpPr>
+          <p:cNvPr id="2" name="Content Placeholder 1"/>
+          <p:cNvSpPr>
+            <a:spLocks noGrp="1"/>
+          </p:cNvSpPr>
+          <p:nvPr>
+            <p:ph idx="1"/>
+          </p:nvPr>
+        </p:nvSpPr>
+        <p:spPr/>
+        <p:txBody>
+          <a:bodyPr/>
+          <a:lstStyle/>
+          <a:p>
+            <a:endParaRPr lang="hu-HU" b="1" dirty="0" smtClean="0"/>
+          </a:p>
+          <a:p>
+            <a:endParaRPr lang="hu-HU" b="1" dirty="0" smtClean="0"/>
+          </a:p>
+          <a:p>
+            <a:r>
+              <a:rPr lang="en-US" dirty="0" smtClean="0"/>
+              <a:t>A general purpose scripting language that conforms to the </a:t>
+            </a:r>
+            <a:r>
+              <a:rPr lang="en-US" dirty="0" err="1" smtClean="0"/>
+              <a:t>ECMAScript</a:t>
+            </a:r>
+            <a:r>
+              <a:rPr lang="en-US" dirty="0" smtClean="0"/>
+              <a:t> specification.</a:t>
+            </a:r>
+            <a:endParaRPr lang="hu-HU" dirty="0" smtClean="0"/>
+          </a:p>
+        </p:txBody>
+      </p:sp>
+      <p:sp>
+        <p:nvSpPr>
+          <p:cNvPr id="3" name="Title 2"/>
+          <p:cNvSpPr>
+            <a:spLocks noGrp="1"/>
+          </p:cNvSpPr>
+          <p:nvPr>
+            <p:ph type="title"/>
+          </p:nvPr>
+        </p:nvSpPr>
+        <p:spPr/>
+        <p:txBody>
+          <a:bodyPr/>
+          <a:lstStyle/>
+          <a:p>
+            <a:r>
+              <a:rPr lang="hu-HU" dirty="0" smtClean="0"/>
+              <a:t>JavaScript</a:t>
+            </a:r>
+            <a:endParaRPr lang="hu-HU" dirty="0"/>
+          </a:p>
+        </p:txBody>
+      </p:sp>
+    </p:spTree>
+  </p:cSld>
+  <p:clrMapOvr>
+    <a:masterClrMapping/>
+  </p:clrMapOvr>
+</p:sld>
+</file>
+
+<file path=ppt/slides/slide7.xml><?xml version="1.0" encoding="utf-8"?>
+<p:sld xmlns:a="http://schemas.openxmlformats.org/drawingml/2006/main" xmlns:r="http://schemas.openxmlformats.org/officeDocument/2006/relationships" xmlns:p="http://schemas.openxmlformats.org/presentationml/2006/main">
+  <p:cSld>
+    <p:spTree>
+      <p:nvGrpSpPr>
+        <p:cNvPr id="1" name=""/>
+        <p:cNvGrpSpPr/>
+        <p:nvPr/>
+      </p:nvGrpSpPr>
+      <p:grpSpPr>
+        <a:xfrm>
+          <a:off x="0" y="0"/>
+          <a:ext cx="0" cy="0"/>
+          <a:chOff x="0" y="0"/>
+          <a:chExt cx="0" cy="0"/>
+        </a:xfrm>
+      </p:grpSpPr>
+      <p:sp>
+        <p:nvSpPr>
+          <p:cNvPr id="3" name="Title 2"/>
+          <p:cNvSpPr>
+            <a:spLocks noGrp="1"/>
+          </p:cNvSpPr>
+          <p:nvPr>
+            <p:ph type="title"/>
+          </p:nvPr>
+        </p:nvSpPr>
+        <p:spPr/>
+        <p:txBody>
+          <a:bodyPr/>
+          <a:lstStyle/>
+          <a:p>
+            <a:endParaRPr lang="hu-HU"/>
+          </a:p>
+        </p:txBody>
+      </p:sp>
+      <p:pic>
+        <p:nvPicPr>
+          <p:cNvPr id="1026" name="Picture 2"/>
+          <p:cNvPicPr>
+            <a:picLocks noGrp="1" noChangeAspect="1" noChangeArrowheads="1"/>
+          </p:cNvPicPr>
+          <p:nvPr>
+            <p:ph idx="1"/>
+          </p:nvPr>
+        </p:nvPicPr>
+        <p:blipFill>
+          <a:blip r:embed="rId2"/>
+          <a:srcRect/>
+          <a:stretch>
+            <a:fillRect/>
+          </a:stretch>
+        </p:blipFill>
+        <p:spPr bwMode="auto">
+          <a:xfrm>
+            <a:off x="642910" y="500042"/>
+            <a:ext cx="7845493" cy="4751153"/>
+          </a:xfrm>
+          <a:prstGeom prst="rect">
+            <a:avLst/>
+          </a:prstGeom>
+          <a:noFill/>
+          <a:ln w="9525">
+            <a:noFill/>
+            <a:miter lim="800000"/>
+            <a:headEnd/>
+            <a:tailEnd/>
+          </a:ln>
+          <a:effectLst/>
+        </p:spPr>
+      </p:pic>
+    </p:spTree>
+  </p:cSld>
+  <p:clrMapOvr>
+    <a:masterClrMapping/>
+  </p:clrMapOvr>
+</p:sld>
+</file>
+
+<file path=ppt/slides/slide8.xml><?xml version="1.0" encoding="utf-8"?>
+<p:sld xmlns:a="http://schemas.openxmlformats.org/drawingml/2006/main" xmlns:r="http://schemas.openxmlformats.org/officeDocument/2006/relationships" xmlns:p="http://schemas.openxmlformats.org/presentationml/2006/main">
+  <p:cSld>
+    <p:spTree>
+      <p:nvGrpSpPr>
+        <p:cNvPr id="1" name=""/>
+        <p:cNvGrpSpPr/>
+        <p:nvPr/>
+      </p:nvGrpSpPr>
+      <p:grpSpPr>
+        <a:xfrm>
+          <a:off x="0" y="0"/>
+          <a:ext cx="0" cy="0"/>
+          <a:chOff x="0" y="0"/>
+          <a:chExt cx="0" cy="0"/>
+        </a:xfrm>
+      </p:grpSpPr>
+      <p:sp>
+        <p:nvSpPr>
+          <p:cNvPr id="2" name="Content Placeholder 1"/>
+          <p:cNvSpPr>
+            <a:spLocks noGrp="1"/>
+          </p:cNvSpPr>
+          <p:nvPr>
+            <p:ph idx="1"/>
+          </p:nvPr>
+        </p:nvSpPr>
+        <p:spPr>
+          <a:xfrm>
+            <a:off x="457200" y="1285860"/>
+            <a:ext cx="8229600" cy="4721431"/>
+          </a:xfrm>
+        </p:spPr>
+        <p:txBody>
+          <a:bodyPr>
+            <a:normAutofit/>
+          </a:bodyPr>
+          <a:lstStyle/>
+          <a:p>
+            <a:pPr>
+              <a:buNone/>
+            </a:pPr>
+            <a:r>
+              <a:rPr lang="hu-HU" dirty="0" smtClean="0"/>
+              <a:t>/ES2015/</a:t>
+            </a:r>
+          </a:p>
+          <a:p>
+            <a:pPr>
+              <a:buNone/>
+            </a:pPr>
+            <a:endParaRPr lang="hu-HU" dirty="0" smtClean="0"/>
+          </a:p>
+          <a:p>
+            <a:r>
+              <a:rPr lang="en-US" dirty="0" smtClean="0"/>
+              <a:t>It </a:t>
+            </a:r>
+            <a:r>
+              <a:rPr lang="en-US" dirty="0" smtClean="0"/>
+              <a:t>is the sixth edition of the ECMA-262 standard, and features major changes and improvements to the </a:t>
+            </a:r>
+            <a:r>
+              <a:rPr lang="en-US" dirty="0" err="1" smtClean="0"/>
+              <a:t>ECMAScript</a:t>
+            </a:r>
+            <a:r>
+              <a:rPr lang="en-US" dirty="0" smtClean="0"/>
+              <a:t> specification</a:t>
+            </a:r>
+            <a:r>
+              <a:rPr lang="en-US" dirty="0" smtClean="0"/>
+              <a:t>.</a:t>
+            </a:r>
+            <a:endParaRPr lang="hu-HU" dirty="0" smtClean="0"/>
+          </a:p>
+          <a:p>
+            <a:endParaRPr lang="hu-HU" dirty="0" smtClean="0"/>
+          </a:p>
+          <a:p>
+            <a:endParaRPr lang="hu-HU" dirty="0" smtClean="0"/>
+          </a:p>
+        </p:txBody>
+      </p:sp>
+      <p:sp>
+        <p:nvSpPr>
+          <p:cNvPr id="3" name="Title 2"/>
+          <p:cNvSpPr>
+            <a:spLocks noGrp="1"/>
+          </p:cNvSpPr>
+          <p:nvPr>
+            <p:ph type="title"/>
+          </p:nvPr>
+        </p:nvSpPr>
+        <p:spPr/>
+        <p:txBody>
+          <a:bodyPr/>
+          <a:lstStyle/>
+          <a:p>
+            <a:r>
+              <a:rPr lang="hu-HU" dirty="0" smtClean="0"/>
+              <a:t>ECMAScript 6</a:t>
+            </a:r>
+            <a:endParaRPr lang="hu-HU" dirty="0"/>
+          </a:p>
+        </p:txBody>
+      </p:sp>
+      <p:pic>
+        <p:nvPicPr>
+          <p:cNvPr id="2051" name="Picture 3"/>
+          <p:cNvPicPr>
+            <a:picLocks noChangeAspect="1" noChangeArrowheads="1"/>
+          </p:cNvPicPr>
+          <p:nvPr/>
+        </p:nvPicPr>
+        <p:blipFill>
+          <a:blip r:embed="rId2"/>
+          <a:srcRect/>
+          <a:stretch>
+            <a:fillRect/>
+          </a:stretch>
+        </p:blipFill>
+        <p:spPr bwMode="auto">
+          <a:xfrm>
+            <a:off x="2857488" y="4000504"/>
+            <a:ext cx="2933700" cy="2505075"/>
+          </a:xfrm>
+          <a:prstGeom prst="rect">
+            <a:avLst/>
+          </a:prstGeom>
+          <a:noFill/>
+          <a:ln w="9525">
+            <a:noFill/>
+            <a:miter lim="800000"/>
+            <a:headEnd/>
+            <a:tailEnd/>
+          </a:ln>
+          <a:effectLst/>
+        </p:spPr>
+      </p:pic>
+    </p:spTree>
+  </p:cSld>
+  <p:clrMapOvr>
+    <a:masterClrMapping/>
+  </p:clrMapOvr>
+</p:sld>
+</file>
+
+<file path=ppt/slides/slide9.xml><?xml version="1.0" encoding="utf-8"?>
+<p:sld xmlns:a="http://schemas.openxmlformats.org/drawingml/2006/main" xmlns:r="http://schemas.openxmlformats.org/officeDocument/2006/relationships" xmlns:p="http://schemas.openxmlformats.org/presentationml/2006/main">
+  <p:cSld>
+    <p:spTree>
+      <p:nvGrpSpPr>
+        <p:cNvPr id="1" name=""/>
+        <p:cNvGrpSpPr/>
+        <p:nvPr/>
+      </p:nvGrpSpPr>
+      <p:grpSpPr>
+        <a:xfrm>
+          <a:off x="0" y="0"/>
+          <a:ext cx="0" cy="0"/>
+          <a:chOff x="0" y="0"/>
+          <a:chExt cx="0" cy="0"/>
+        </a:xfrm>
+      </p:grpSpPr>
+      <p:sp>
+        <p:nvSpPr>
+          <p:cNvPr id="2" name="Content Placeholder 1"/>
+          <p:cNvSpPr>
+            <a:spLocks noGrp="1"/>
+          </p:cNvSpPr>
+          <p:nvPr>
+            <p:ph idx="1"/>
+          </p:nvPr>
+        </p:nvSpPr>
+        <p:spPr/>
+        <p:txBody>
+          <a:bodyPr/>
+          <a:lstStyle/>
+          <a:p>
+            <a:endParaRPr lang="hu-HU"/>
+          </a:p>
+        </p:txBody>
+      </p:sp>
+      <p:sp>
+        <p:nvSpPr>
+          <p:cNvPr id="3" name="Title 2"/>
+          <p:cNvSpPr>
+            <a:spLocks noGrp="1"/>
+          </p:cNvSpPr>
+          <p:nvPr>
+            <p:ph type="title"/>
+          </p:nvPr>
+        </p:nvSpPr>
+        <p:spPr/>
+        <p:txBody>
+          <a:bodyPr/>
+          <a:lstStyle/>
+          <a:p>
+            <a:endParaRPr lang="hu-HU"/>
+          </a:p>
+        </p:txBody>
+      </p:sp>
+      <p:pic>
+        <p:nvPicPr>
+          <p:cNvPr id="3074" name="Picture 2"/>
+          <p:cNvPicPr>
+            <a:picLocks noChangeAspect="1" noChangeArrowheads="1"/>
+          </p:cNvPicPr>
+          <p:nvPr/>
+        </p:nvPicPr>
+        <p:blipFill>
+          <a:blip r:embed="rId2"/>
+          <a:srcRect/>
+          <a:stretch>
+            <a:fillRect/>
+          </a:stretch>
+        </p:blipFill>
+        <p:spPr bwMode="auto">
+          <a:xfrm>
+            <a:off x="561975" y="1195388"/>
+            <a:ext cx="8020050" cy="4467225"/>
+          </a:xfrm>
+          <a:prstGeom prst="rect">
+            <a:avLst/>
+          </a:prstGeom>
+          <a:noFill/>
+          <a:ln w="9525">
+            <a:noFill/>
+            <a:miter lim="800000"/>
+            <a:headEnd/>
+            <a:tailEnd/>
+          </a:ln>
+          <a:effectLst/>
+        </p:spPr>
+      </p:pic>
     </p:spTree>
   </p:cSld>
   <p:clrMapOvr>

--- a/Week03/day-04/ECMAScript.pptx
+++ b/Week03/day-04/ECMAScript.pptx
@@ -14,7 +14,8 @@
     <p:sldId id="262" r:id="rId8"/>
     <p:sldId id="263" r:id="rId9"/>
     <p:sldId id="264" r:id="rId10"/>
-    <p:sldId id="265" r:id="rId11"/>
+    <p:sldId id="266" r:id="rId11"/>
+    <p:sldId id="265" r:id="rId12"/>
   </p:sldIdLst>
   <p:sldSz cx="9144000" cy="6858000" type="screen4x3"/>
   <p:notesSz cx="6858000" cy="9144000"/>
@@ -742,7 +743,7 @@
             <a:fld id="{96E5664A-9AFF-4899-BAEA-BA1E7D60C04C}" type="datetimeFigureOut">
               <a:rPr lang="hu-HU" smtClean="0"/>
               <a:pPr/>
-              <a:t>2018. 02. 28.</a:t>
+              <a:t>2018. 03. 01.</a:t>
             </a:fld>
             <a:endParaRPr lang="hu-HU"/>
           </a:p>
@@ -940,7 +941,7 @@
             <a:fld id="{96E5664A-9AFF-4899-BAEA-BA1E7D60C04C}" type="datetimeFigureOut">
               <a:rPr lang="hu-HU" smtClean="0"/>
               <a:pPr/>
-              <a:t>2018. 02. 28.</a:t>
+              <a:t>2018. 03. 01.</a:t>
             </a:fld>
             <a:endParaRPr lang="hu-HU"/>
           </a:p>
@@ -1127,7 +1128,7 @@
             <a:fld id="{96E5664A-9AFF-4899-BAEA-BA1E7D60C04C}" type="datetimeFigureOut">
               <a:rPr lang="hu-HU" smtClean="0"/>
               <a:pPr/>
-              <a:t>2018. 02. 28.</a:t>
+              <a:t>2018. 03. 01.</a:t>
             </a:fld>
             <a:endParaRPr lang="hu-HU"/>
           </a:p>
@@ -1279,7 +1280,7 @@
             <a:fld id="{96E5664A-9AFF-4899-BAEA-BA1E7D60C04C}" type="datetimeFigureOut">
               <a:rPr lang="hu-HU" smtClean="0"/>
               <a:pPr/>
-              <a:t>2018. 02. 28.</a:t>
+              <a:t>2018. 03. 01.</a:t>
             </a:fld>
             <a:endParaRPr lang="hu-HU"/>
           </a:p>
@@ -1536,7 +1537,7 @@
             <a:fld id="{96E5664A-9AFF-4899-BAEA-BA1E7D60C04C}" type="datetimeFigureOut">
               <a:rPr lang="hu-HU" smtClean="0"/>
               <a:pPr/>
-              <a:t>2018. 02. 28.</a:t>
+              <a:t>2018. 03. 01.</a:t>
             </a:fld>
             <a:endParaRPr lang="hu-HU"/>
           </a:p>
@@ -1947,7 +1948,7 @@
             <a:fld id="{96E5664A-9AFF-4899-BAEA-BA1E7D60C04C}" type="datetimeFigureOut">
               <a:rPr lang="hu-HU" smtClean="0"/>
               <a:pPr/>
-              <a:t>2018. 02. 28.</a:t>
+              <a:t>2018. 03. 01.</a:t>
             </a:fld>
             <a:endParaRPr lang="hu-HU"/>
           </a:p>
@@ -2395,7 +2396,7 @@
             <a:fld id="{96E5664A-9AFF-4899-BAEA-BA1E7D60C04C}" type="datetimeFigureOut">
               <a:rPr lang="hu-HU" smtClean="0"/>
               <a:pPr/>
-              <a:t>2018. 02. 28.</a:t>
+              <a:t>2018. 03. 01.</a:t>
             </a:fld>
             <a:endParaRPr lang="hu-HU"/>
           </a:p>
@@ -2498,7 +2499,7 @@
             <a:fld id="{96E5664A-9AFF-4899-BAEA-BA1E7D60C04C}" type="datetimeFigureOut">
               <a:rPr lang="hu-HU" smtClean="0"/>
               <a:pPr/>
-              <a:t>2018. 02. 28.</a:t>
+              <a:t>2018. 03. 01.</a:t>
             </a:fld>
             <a:endParaRPr lang="hu-HU"/>
           </a:p>
@@ -2621,7 +2622,7 @@
             <a:fld id="{96E5664A-9AFF-4899-BAEA-BA1E7D60C04C}" type="datetimeFigureOut">
               <a:rPr lang="hu-HU" smtClean="0"/>
               <a:pPr/>
-              <a:t>2018. 02. 28.</a:t>
+              <a:t>2018. 03. 01.</a:t>
             </a:fld>
             <a:endParaRPr lang="hu-HU"/>
           </a:p>
@@ -2897,7 +2898,7 @@
             <a:fld id="{96E5664A-9AFF-4899-BAEA-BA1E7D60C04C}" type="datetimeFigureOut">
               <a:rPr lang="hu-HU" smtClean="0"/>
               <a:pPr/>
-              <a:t>2018. 02. 28.</a:t>
+              <a:t>2018. 03. 01.</a:t>
             </a:fld>
             <a:endParaRPr lang="hu-HU"/>
           </a:p>
@@ -3104,7 +3105,7 @@
             <a:fld id="{96E5664A-9AFF-4899-BAEA-BA1E7D60C04C}" type="datetimeFigureOut">
               <a:rPr lang="hu-HU" smtClean="0"/>
               <a:pPr/>
-              <a:t>2018. 02. 28.</a:t>
+              <a:t>2018. 03. 01.</a:t>
             </a:fld>
             <a:endParaRPr lang="hu-HU"/>
           </a:p>
@@ -4215,7 +4216,7 @@
             <a:fld id="{96E5664A-9AFF-4899-BAEA-BA1E7D60C04C}" type="datetimeFigureOut">
               <a:rPr lang="hu-HU" smtClean="0"/>
               <a:pPr/>
-              <a:t>2018. 02. 28.</a:t>
+              <a:t>2018. 03. 01.</a:t>
             </a:fld>
             <a:endParaRPr lang="hu-HU"/>
           </a:p>
@@ -4673,6 +4674,13 @@
   <p:clrMapOvr>
     <a:masterClrMapping/>
   </p:clrMapOvr>
+  <p:timing>
+    <p:tnLst>
+      <p:par>
+        <p:cTn id="1" dur="indefinite" restart="never" nodeType="tmRoot"/>
+      </p:par>
+    </p:tnLst>
+  </p:timing>
 </p:sld>
 </file>
 
@@ -4693,6 +4701,85 @@
           <a:chExt cx="0" cy="0"/>
         </a:xfrm>
       </p:grpSpPr>
+      <p:pic>
+        <p:nvPicPr>
+          <p:cNvPr id="4" name="Content Placeholder 3" descr="7icsJ4a.gif"/>
+          <p:cNvPicPr>
+            <a:picLocks noGrp="1" noChangeAspect="1"/>
+          </p:cNvPicPr>
+          <p:nvPr>
+            <p:ph idx="1"/>
+          </p:nvPr>
+        </p:nvPicPr>
+        <p:blipFill>
+          <a:blip r:embed="rId2"/>
+          <a:stretch>
+            <a:fillRect/>
+          </a:stretch>
+        </p:blipFill>
+        <p:spPr>
+          <a:xfrm>
+            <a:off x="1785918" y="1500174"/>
+            <a:ext cx="5363236" cy="4547577"/>
+          </a:xfrm>
+        </p:spPr>
+      </p:pic>
+      <p:sp>
+        <p:nvSpPr>
+          <p:cNvPr id="3" name="Title 2"/>
+          <p:cNvSpPr>
+            <a:spLocks noGrp="1"/>
+          </p:cNvSpPr>
+          <p:nvPr>
+            <p:ph type="title"/>
+          </p:nvPr>
+        </p:nvSpPr>
+        <p:spPr/>
+        <p:txBody>
+          <a:bodyPr/>
+          <a:lstStyle/>
+          <a:p>
+            <a:pPr algn="ctr"/>
+            <a:r>
+              <a:rPr lang="hu-HU" dirty="0" smtClean="0"/>
+              <a:t>Recursion?</a:t>
+            </a:r>
+            <a:endParaRPr lang="hu-HU" dirty="0"/>
+          </a:p>
+        </p:txBody>
+      </p:sp>
+    </p:spTree>
+  </p:cSld>
+  <p:clrMapOvr>
+    <a:masterClrMapping/>
+  </p:clrMapOvr>
+  <p:timing>
+    <p:tnLst>
+      <p:par>
+        <p:cTn id="1" dur="indefinite" restart="never" nodeType="tmRoot"/>
+      </p:par>
+    </p:tnLst>
+  </p:timing>
+</p:sld>
+</file>
+
+<file path=ppt/slides/slide11.xml><?xml version="1.0" encoding="utf-8"?>
+<p:sld xmlns:a="http://schemas.openxmlformats.org/drawingml/2006/main" xmlns:r="http://schemas.openxmlformats.org/officeDocument/2006/relationships" xmlns:p="http://schemas.openxmlformats.org/presentationml/2006/main">
+  <p:cSld>
+    <p:spTree>
+      <p:nvGrpSpPr>
+        <p:cNvPr id="1" name=""/>
+        <p:cNvGrpSpPr/>
+        <p:nvPr/>
+      </p:nvGrpSpPr>
+      <p:grpSpPr>
+        <a:xfrm>
+          <a:off x="0" y="0"/>
+          <a:ext cx="0" cy="0"/>
+          <a:chOff x="0" y="0"/>
+          <a:chExt cx="0" cy="0"/>
+        </a:xfrm>
+      </p:grpSpPr>
       <p:sp>
         <p:nvSpPr>
           <p:cNvPr id="2" name="Content Placeholder 1"/>
@@ -4746,6 +4833,13 @@
   <p:clrMapOvr>
     <a:masterClrMapping/>
   </p:clrMapOvr>
+  <p:timing>
+    <p:tnLst>
+      <p:par>
+        <p:cTn id="1" dur="indefinite" restart="never" nodeType="tmRoot"/>
+      </p:par>
+    </p:tnLst>
+  </p:timing>
 </p:sld>
 </file>
 
@@ -4841,6 +4935,13 @@
   <p:clrMapOvr>
     <a:masterClrMapping/>
   </p:clrMapOvr>
+  <p:timing>
+    <p:tnLst>
+      <p:par>
+        <p:cTn id="1" dur="indefinite" restart="never" nodeType="tmRoot"/>
+      </p:par>
+    </p:tnLst>
+  </p:timing>
 </p:sld>
 </file>
 
@@ -4928,6 +5029,13 @@
   <p:clrMapOvr>
     <a:masterClrMapping/>
   </p:clrMapOvr>
+  <p:timing>
+    <p:tnLst>
+      <p:par>
+        <p:cTn id="1" dur="indefinite" restart="never" nodeType="tmRoot"/>
+      </p:par>
+    </p:tnLst>
+  </p:timing>
 </p:sld>
 </file>
 
@@ -4973,11 +5081,7 @@
           <a:p>
             <a:r>
               <a:rPr lang="en-US" dirty="0" smtClean="0"/>
-              <a:t>A </a:t>
-            </a:r>
-            <a:r>
-              <a:rPr lang="en-US" dirty="0" smtClean="0"/>
-              <a:t>programming language designed specifically for acting on an existing entity or system</a:t>
+              <a:t>A programming language designed specifically for acting on an existing entity or system</a:t>
             </a:r>
             <a:endParaRPr lang="hu-HU" dirty="0" smtClean="0"/>
           </a:p>
@@ -5011,6 +5115,13 @@
   <p:clrMapOvr>
     <a:masterClrMapping/>
   </p:clrMapOvr>
+  <p:timing>
+    <p:tnLst>
+      <p:par>
+        <p:cTn id="1" dur="indefinite" restart="never" nodeType="tmRoot"/>
+      </p:par>
+    </p:tnLst>
+  </p:timing>
 </p:sld>
 </file>
 
@@ -5088,6 +5199,13 @@
   <p:clrMapOvr>
     <a:masterClrMapping/>
   </p:clrMapOvr>
+  <p:timing>
+    <p:tnLst>
+      <p:par>
+        <p:cTn id="1" dur="indefinite" restart="never" nodeType="tmRoot"/>
+      </p:par>
+    </p:tnLst>
+  </p:timing>
 </p:sld>
 </file>
 
@@ -5173,6 +5291,13 @@
   <p:clrMapOvr>
     <a:masterClrMapping/>
   </p:clrMapOvr>
+  <p:timing>
+    <p:tnLst>
+      <p:par>
+        <p:cTn id="1" dur="indefinite" restart="never" nodeType="tmRoot"/>
+      </p:par>
+    </p:tnLst>
+  </p:timing>
 </p:sld>
 </file>
 
@@ -5252,6 +5377,13 @@
   <p:clrMapOvr>
     <a:masterClrMapping/>
   </p:clrMapOvr>
+  <p:timing>
+    <p:tnLst>
+      <p:par>
+        <p:cTn id="1" dur="indefinite" restart="never" nodeType="tmRoot"/>
+      </p:par>
+    </p:tnLst>
+  </p:timing>
 </p:sld>
 </file>
 
@@ -5311,11 +5443,7 @@
           <a:p>
             <a:r>
               <a:rPr lang="en-US" dirty="0" smtClean="0"/>
-              <a:t>It </a:t>
-            </a:r>
-            <a:r>
-              <a:rPr lang="en-US" dirty="0" smtClean="0"/>
-              <a:t>is the sixth edition of the ECMA-262 standard, and features major changes and improvements to the </a:t>
+              <a:t>It is the sixth edition of the ECMA-262 standard, and features major changes and improvements to the </a:t>
             </a:r>
             <a:r>
               <a:rPr lang="en-US" dirty="0" err="1" smtClean="0"/>
@@ -5323,11 +5451,7 @@
             </a:r>
             <a:r>
               <a:rPr lang="en-US" dirty="0" smtClean="0"/>
-              <a:t> specification</a:t>
-            </a:r>
-            <a:r>
-              <a:rPr lang="en-US" dirty="0" smtClean="0"/>
-              <a:t>.</a:t>
+              <a:t> specification.</a:t>
             </a:r>
             <a:endParaRPr lang="hu-HU" dirty="0" smtClean="0"/>
           </a:p>
@@ -5400,6 +5524,13 @@
   <p:clrMapOvr>
     <a:masterClrMapping/>
   </p:clrMapOvr>
+  <p:timing>
+    <p:tnLst>
+      <p:par>
+        <p:cTn id="1" dur="indefinite" restart="never" nodeType="tmRoot"/>
+      </p:par>
+    </p:tnLst>
+  </p:timing>
 </p:sld>
 </file>
 
@@ -5496,6 +5627,13 @@
   <p:clrMapOvr>
     <a:masterClrMapping/>
   </p:clrMapOvr>
+  <p:timing>
+    <p:tnLst>
+      <p:par>
+        <p:cTn id="1" dur="indefinite" restart="never" nodeType="tmRoot"/>
+      </p:par>
+    </p:tnLst>
+  </p:timing>
 </p:sld>
 </file>
 
